--- a/FFPM/FFPM 537.pptx
+++ b/FFPM/FFPM 537.pptx
@@ -113,6 +113,22 @@
       </a:defRPr>
     </a:lvl9pPr>
   </p:defaultTextStyle>
+  <p:extLst>
+    <p:ext uri="{EFAFB233-063F-42B5-8137-9DF3F51BA10A}">
+      <p15:sldGuideLst xmlns:p15="http://schemas.microsoft.com/office/powerpoint/2012/main">
+        <p15:guide id="1" orient="horz" pos="1620">
+          <p15:clr>
+            <a:srgbClr val="A4A3A4"/>
+          </p15:clr>
+        </p15:guide>
+        <p15:guide id="2" pos="2880">
+          <p15:clr>
+            <a:srgbClr val="A4A3A4"/>
+          </p15:clr>
+        </p15:guide>
+      </p15:sldGuideLst>
+    </p:ext>
+  </p:extLst>
 </p:presentation>
 </file>
 
@@ -298,7 +314,7 @@
             <a:fld id="{E1E9137A-D7C1-4F8C-A62B-C89ADD9F06F3}" type="datetimeFigureOut">
               <a:rPr lang="fr-FR" smtClean="0"/>
               <a:pPr/>
-              <a:t>14/12/2014</a:t>
+              <a:t>07/12/2025</a:t>
             </a:fld>
             <a:endParaRPr lang="fr-FR"/>
           </a:p>
@@ -465,7 +481,7 @@
             <a:fld id="{E1E9137A-D7C1-4F8C-A62B-C89ADD9F06F3}" type="datetimeFigureOut">
               <a:rPr lang="fr-FR" smtClean="0"/>
               <a:pPr/>
-              <a:t>14/12/2014</a:t>
+              <a:t>07/12/2025</a:t>
             </a:fld>
             <a:endParaRPr lang="fr-FR"/>
           </a:p>
@@ -642,7 +658,7 @@
             <a:fld id="{E1E9137A-D7C1-4F8C-A62B-C89ADD9F06F3}" type="datetimeFigureOut">
               <a:rPr lang="fr-FR" smtClean="0"/>
               <a:pPr/>
-              <a:t>14/12/2014</a:t>
+              <a:t>07/12/2025</a:t>
             </a:fld>
             <a:endParaRPr lang="fr-FR"/>
           </a:p>
@@ -809,7 +825,7 @@
             <a:fld id="{E1E9137A-D7C1-4F8C-A62B-C89ADD9F06F3}" type="datetimeFigureOut">
               <a:rPr lang="fr-FR" smtClean="0"/>
               <a:pPr/>
-              <a:t>14/12/2014</a:t>
+              <a:t>07/12/2025</a:t>
             </a:fld>
             <a:endParaRPr lang="fr-FR"/>
           </a:p>
@@ -1052,7 +1068,7 @@
             <a:fld id="{E1E9137A-D7C1-4F8C-A62B-C89ADD9F06F3}" type="datetimeFigureOut">
               <a:rPr lang="fr-FR" smtClean="0"/>
               <a:pPr/>
-              <a:t>14/12/2014</a:t>
+              <a:t>07/12/2025</a:t>
             </a:fld>
             <a:endParaRPr lang="fr-FR"/>
           </a:p>
@@ -1337,7 +1353,7 @@
             <a:fld id="{E1E9137A-D7C1-4F8C-A62B-C89ADD9F06F3}" type="datetimeFigureOut">
               <a:rPr lang="fr-FR" smtClean="0"/>
               <a:pPr/>
-              <a:t>14/12/2014</a:t>
+              <a:t>07/12/2025</a:t>
             </a:fld>
             <a:endParaRPr lang="fr-FR"/>
           </a:p>
@@ -1756,7 +1772,7 @@
             <a:fld id="{E1E9137A-D7C1-4F8C-A62B-C89ADD9F06F3}" type="datetimeFigureOut">
               <a:rPr lang="fr-FR" smtClean="0"/>
               <a:pPr/>
-              <a:t>14/12/2014</a:t>
+              <a:t>07/12/2025</a:t>
             </a:fld>
             <a:endParaRPr lang="fr-FR"/>
           </a:p>
@@ -1871,7 +1887,7 @@
             <a:fld id="{E1E9137A-D7C1-4F8C-A62B-C89ADD9F06F3}" type="datetimeFigureOut">
               <a:rPr lang="fr-FR" smtClean="0"/>
               <a:pPr/>
-              <a:t>14/12/2014</a:t>
+              <a:t>07/12/2025</a:t>
             </a:fld>
             <a:endParaRPr lang="fr-FR"/>
           </a:p>
@@ -1963,7 +1979,7 @@
             <a:fld id="{E1E9137A-D7C1-4F8C-A62B-C89ADD9F06F3}" type="datetimeFigureOut">
               <a:rPr lang="fr-FR" smtClean="0"/>
               <a:pPr/>
-              <a:t>14/12/2014</a:t>
+              <a:t>07/12/2025</a:t>
             </a:fld>
             <a:endParaRPr lang="fr-FR"/>
           </a:p>
@@ -2237,7 +2253,7 @@
             <a:fld id="{E1E9137A-D7C1-4F8C-A62B-C89ADD9F06F3}" type="datetimeFigureOut">
               <a:rPr lang="fr-FR" smtClean="0"/>
               <a:pPr/>
-              <a:t>14/12/2014</a:t>
+              <a:t>07/12/2025</a:t>
             </a:fld>
             <a:endParaRPr lang="fr-FR"/>
           </a:p>
@@ -2487,7 +2503,7 @@
             <a:fld id="{E1E9137A-D7C1-4F8C-A62B-C89ADD9F06F3}" type="datetimeFigureOut">
               <a:rPr lang="fr-FR" smtClean="0"/>
               <a:pPr/>
-              <a:t>14/12/2014</a:t>
+              <a:t>07/12/2025</a:t>
             </a:fld>
             <a:endParaRPr lang="fr-FR"/>
           </a:p>
@@ -2700,7 +2716,7 @@
             <a:fld id="{E1E9137A-D7C1-4F8C-A62B-C89ADD9F06F3}" type="datetimeFigureOut">
               <a:rPr lang="fr-FR" smtClean="0"/>
               <a:pPr/>
-              <a:t>14/12/2014</a:t>
+              <a:t>07/12/2025</a:t>
             </a:fld>
             <a:endParaRPr lang="fr-FR"/>
           </a:p>
@@ -3476,36 +3492,24 @@
             <a:pPr algn="ctr"/>
             <a:r>
               <a:rPr lang="fr-FR" sz="6600" b="1" dirty="0" err="1" smtClean="0">
-                <a:solidFill>
-                  <a:srgbClr val="0070C0"/>
-                </a:solidFill>
                 <a:latin typeface="Bradley Hand ITC" pitchFamily="66" charset="0"/>
               </a:rPr>
               <a:t>Eny</a:t>
             </a:r>
             <a:r>
               <a:rPr lang="fr-FR" sz="6600" b="1" dirty="0" smtClean="0">
-                <a:solidFill>
-                  <a:srgbClr val="0070C0"/>
-                </a:solidFill>
                 <a:latin typeface="Bradley Hand ITC" pitchFamily="66" charset="0"/>
               </a:rPr>
               <a:t>, </a:t>
             </a:r>
             <a:r>
               <a:rPr lang="fr-FR" sz="6600" b="1" dirty="0" err="1" smtClean="0">
-                <a:solidFill>
-                  <a:srgbClr val="0070C0"/>
-                </a:solidFill>
                 <a:latin typeface="Bradley Hand ITC" pitchFamily="66" charset="0"/>
               </a:rPr>
               <a:t>Raiko</a:t>
             </a:r>
             <a:r>
               <a:rPr lang="fr-FR" sz="6600" b="1" dirty="0" smtClean="0">
-                <a:solidFill>
-                  <a:srgbClr val="0070C0"/>
-                </a:solidFill>
                 <a:latin typeface="Bradley Hand ITC" pitchFamily="66" charset="0"/>
               </a:rPr>
               <a:t>,</a:t>
@@ -3515,53 +3519,29 @@
             <a:pPr algn="ctr"/>
             <a:r>
               <a:rPr lang="fr-FR" sz="6600" b="1" dirty="0" smtClean="0">
-                <a:solidFill>
-                  <a:srgbClr val="0070C0"/>
-                </a:solidFill>
                 <a:latin typeface="Bradley Hand ITC" pitchFamily="66" charset="0"/>
               </a:rPr>
               <a:t>He </a:t>
             </a:r>
             <a:r>
               <a:rPr lang="fr-FR" sz="6600" b="1" dirty="0" err="1" smtClean="0">
-                <a:solidFill>
-                  <a:srgbClr val="0070C0"/>
-                </a:solidFill>
-                <a:latin typeface="Bradley Hand ITC" pitchFamily="66" charset="0"/>
-              </a:rPr>
-              <a:t>ravo</a:t>
+                <a:latin typeface="Bradley Hand ITC" pitchFamily="66" charset="0"/>
+              </a:rPr>
+              <a:t>ravoravo</a:t>
+            </a:r>
+            <a:r>
+              <a:rPr lang="fr-FR" sz="6600" b="1" dirty="0" smtClean="0">
+                <a:latin typeface="Bradley Hand ITC" pitchFamily="66" charset="0"/>
+              </a:rPr>
+              <a:t> </a:t>
             </a:r>
             <a:r>
               <a:rPr lang="fr-FR" sz="6600" b="1" dirty="0" err="1" smtClean="0">
-                <a:solidFill>
-                  <a:srgbClr val="0070C0"/>
-                </a:solidFill>
-                <a:latin typeface="Bradley Hand ITC" pitchFamily="66" charset="0"/>
-              </a:rPr>
-              <a:t>ravo</a:t>
-            </a:r>
-            <a:r>
-              <a:rPr lang="fr-FR" sz="6600" b="1" dirty="0" smtClean="0">
-                <a:solidFill>
-                  <a:srgbClr val="0070C0"/>
-                </a:solidFill>
-                <a:latin typeface="Bradley Hand ITC" pitchFamily="66" charset="0"/>
-              </a:rPr>
-              <a:t> </a:t>
-            </a:r>
-            <a:r>
-              <a:rPr lang="fr-FR" sz="6600" b="1" dirty="0" err="1" smtClean="0">
-                <a:solidFill>
-                  <a:srgbClr val="0070C0"/>
-                </a:solidFill>
                 <a:latin typeface="Bradley Hand ITC" pitchFamily="66" charset="0"/>
               </a:rPr>
               <a:t>tokoa</a:t>
             </a:r>
             <a:endParaRPr lang="fr-FR" sz="6600" b="1" dirty="0" smtClean="0">
-              <a:solidFill>
-                <a:srgbClr val="0070C0"/>
-              </a:solidFill>
               <a:latin typeface="Bradley Hand ITC" pitchFamily="66" charset="0"/>
             </a:endParaRPr>
           </a:p>
@@ -3569,72 +3549,48 @@
             <a:pPr algn="ctr"/>
             <a:r>
               <a:rPr lang="fr-FR" sz="6600" b="1" dirty="0" err="1" smtClean="0">
-                <a:solidFill>
-                  <a:srgbClr val="0070C0"/>
-                </a:solidFill>
                 <a:latin typeface="Bradley Hand ITC" pitchFamily="66" charset="0"/>
               </a:rPr>
               <a:t>Ity</a:t>
             </a:r>
             <a:r>
               <a:rPr lang="fr-FR" sz="6600" b="1" dirty="0" smtClean="0">
-                <a:solidFill>
-                  <a:srgbClr val="0070C0"/>
-                </a:solidFill>
                 <a:latin typeface="Bradley Hand ITC" pitchFamily="66" charset="0"/>
               </a:rPr>
               <a:t> </a:t>
             </a:r>
             <a:r>
               <a:rPr lang="fr-FR" sz="6600" b="1" dirty="0" err="1" smtClean="0">
-                <a:solidFill>
-                  <a:srgbClr val="0070C0"/>
-                </a:solidFill>
                 <a:latin typeface="Bradley Hand ITC" pitchFamily="66" charset="0"/>
               </a:rPr>
               <a:t>zanakao</a:t>
             </a:r>
             <a:r>
               <a:rPr lang="fr-FR" sz="6600" b="1" dirty="0" smtClean="0">
-                <a:solidFill>
-                  <a:srgbClr val="0070C0"/>
-                </a:solidFill>
                 <a:latin typeface="Bradley Hand ITC" pitchFamily="66" charset="0"/>
               </a:rPr>
               <a:t> </a:t>
             </a:r>
             <a:r>
               <a:rPr lang="fr-FR" sz="6600" b="1" dirty="0" err="1" smtClean="0">
-                <a:solidFill>
-                  <a:srgbClr val="0070C0"/>
-                </a:solidFill>
                 <a:latin typeface="Bradley Hand ITC" pitchFamily="66" charset="0"/>
               </a:rPr>
               <a:t>voavonjy</a:t>
             </a:r>
             <a:r>
               <a:rPr lang="fr-FR" sz="6600" b="1" dirty="0" smtClean="0">
-                <a:solidFill>
-                  <a:srgbClr val="0070C0"/>
-                </a:solidFill>
                 <a:latin typeface="Bradley Hand ITC" pitchFamily="66" charset="0"/>
               </a:rPr>
               <a:t> </a:t>
             </a:r>
             <a:r>
               <a:rPr lang="fr-FR" sz="6600" b="1" dirty="0" err="1" smtClean="0">
-                <a:solidFill>
-                  <a:srgbClr val="0070C0"/>
-                </a:solidFill>
                 <a:latin typeface="Bradley Hand ITC" pitchFamily="66" charset="0"/>
               </a:rPr>
               <a:t>re</a:t>
             </a:r>
             <a:r>
               <a:rPr lang="fr-FR" sz="6600" b="1" dirty="0" smtClean="0">
-                <a:solidFill>
-                  <a:srgbClr val="0070C0"/>
-                </a:solidFill>
                 <a:latin typeface="Bradley Hand ITC" pitchFamily="66" charset="0"/>
               </a:rPr>
               <a:t>,</a:t>
@@ -3644,45 +3600,30 @@
             <a:pPr algn="ctr"/>
             <a:r>
               <a:rPr lang="fr-FR" sz="6600" b="1" dirty="0" smtClean="0">
-                <a:solidFill>
-                  <a:srgbClr val="0070C0"/>
-                </a:solidFill>
                 <a:latin typeface="Bradley Hand ITC" pitchFamily="66" charset="0"/>
               </a:rPr>
               <a:t>Ka </a:t>
             </a:r>
             <a:r>
               <a:rPr lang="fr-FR" sz="6600" b="1" dirty="0" err="1" smtClean="0">
-                <a:solidFill>
-                  <a:srgbClr val="0070C0"/>
-                </a:solidFill>
                 <a:latin typeface="Bradley Hand ITC" pitchFamily="66" charset="0"/>
               </a:rPr>
               <a:t>velombelona</a:t>
             </a:r>
             <a:r>
               <a:rPr lang="fr-FR" sz="6600" b="1" dirty="0" smtClean="0">
-                <a:solidFill>
-                  <a:srgbClr val="0070C0"/>
-                </a:solidFill>
                 <a:latin typeface="Bradley Hand ITC" pitchFamily="66" charset="0"/>
               </a:rPr>
               <a:t> </a:t>
             </a:r>
             <a:r>
               <a:rPr lang="fr-FR" sz="6600" b="1" dirty="0" err="1" smtClean="0">
-                <a:solidFill>
-                  <a:srgbClr val="0070C0"/>
-                </a:solidFill>
                 <a:latin typeface="Bradley Hand ITC" pitchFamily="66" charset="0"/>
               </a:rPr>
               <a:t>ery</a:t>
             </a:r>
             <a:r>
               <a:rPr lang="fr-FR" sz="6600" b="1" dirty="0" smtClean="0">
-                <a:solidFill>
-                  <a:srgbClr val="0070C0"/>
-                </a:solidFill>
                 <a:latin typeface="Bradley Hand ITC" pitchFamily="66" charset="0"/>
               </a:rPr>
               <a:t>.</a:t>
@@ -3970,36 +3911,24 @@
             <a:pPr algn="ctr"/>
             <a:r>
               <a:rPr lang="fr-FR" sz="6600" b="1" dirty="0" err="1" smtClean="0">
-                <a:solidFill>
-                  <a:srgbClr val="0070C0"/>
-                </a:solidFill>
                 <a:latin typeface="Bradley Hand ITC" pitchFamily="66" charset="0"/>
               </a:rPr>
               <a:t>Eny</a:t>
             </a:r>
             <a:r>
               <a:rPr lang="fr-FR" sz="6600" b="1" dirty="0" smtClean="0">
-                <a:solidFill>
-                  <a:srgbClr val="0070C0"/>
-                </a:solidFill>
                 <a:latin typeface="Bradley Hand ITC" pitchFamily="66" charset="0"/>
               </a:rPr>
               <a:t>, </a:t>
             </a:r>
             <a:r>
               <a:rPr lang="fr-FR" sz="6600" b="1" dirty="0" err="1" smtClean="0">
-                <a:solidFill>
-                  <a:srgbClr val="0070C0"/>
-                </a:solidFill>
                 <a:latin typeface="Bradley Hand ITC" pitchFamily="66" charset="0"/>
               </a:rPr>
               <a:t>Raiko</a:t>
             </a:r>
             <a:r>
               <a:rPr lang="fr-FR" sz="6600" b="1" dirty="0" smtClean="0">
-                <a:solidFill>
-                  <a:srgbClr val="0070C0"/>
-                </a:solidFill>
                 <a:latin typeface="Bradley Hand ITC" pitchFamily="66" charset="0"/>
               </a:rPr>
               <a:t>,</a:t>
@@ -4009,53 +3938,29 @@
             <a:pPr algn="ctr"/>
             <a:r>
               <a:rPr lang="fr-FR" sz="6600" b="1" dirty="0" smtClean="0">
-                <a:solidFill>
-                  <a:srgbClr val="0070C0"/>
-                </a:solidFill>
                 <a:latin typeface="Bradley Hand ITC" pitchFamily="66" charset="0"/>
               </a:rPr>
               <a:t>He </a:t>
             </a:r>
             <a:r>
               <a:rPr lang="fr-FR" sz="6600" b="1" dirty="0" err="1" smtClean="0">
-                <a:solidFill>
-                  <a:srgbClr val="0070C0"/>
-                </a:solidFill>
-                <a:latin typeface="Bradley Hand ITC" pitchFamily="66" charset="0"/>
-              </a:rPr>
-              <a:t>ravo</a:t>
+                <a:latin typeface="Bradley Hand ITC" pitchFamily="66" charset="0"/>
+              </a:rPr>
+              <a:t>ravoravo</a:t>
+            </a:r>
+            <a:r>
+              <a:rPr lang="fr-FR" sz="6600" b="1" dirty="0" smtClean="0">
+                <a:latin typeface="Bradley Hand ITC" pitchFamily="66" charset="0"/>
+              </a:rPr>
+              <a:t> </a:t>
             </a:r>
             <a:r>
               <a:rPr lang="fr-FR" sz="6600" b="1" dirty="0" err="1" smtClean="0">
-                <a:solidFill>
-                  <a:srgbClr val="0070C0"/>
-                </a:solidFill>
-                <a:latin typeface="Bradley Hand ITC" pitchFamily="66" charset="0"/>
-              </a:rPr>
-              <a:t>ravo</a:t>
-            </a:r>
-            <a:r>
-              <a:rPr lang="fr-FR" sz="6600" b="1" dirty="0" smtClean="0">
-                <a:solidFill>
-                  <a:srgbClr val="0070C0"/>
-                </a:solidFill>
-                <a:latin typeface="Bradley Hand ITC" pitchFamily="66" charset="0"/>
-              </a:rPr>
-              <a:t> </a:t>
-            </a:r>
-            <a:r>
-              <a:rPr lang="fr-FR" sz="6600" b="1" dirty="0" err="1" smtClean="0">
-                <a:solidFill>
-                  <a:srgbClr val="0070C0"/>
-                </a:solidFill>
                 <a:latin typeface="Bradley Hand ITC" pitchFamily="66" charset="0"/>
               </a:rPr>
               <a:t>tokoa</a:t>
             </a:r>
             <a:endParaRPr lang="fr-FR" sz="6600" b="1" dirty="0" smtClean="0">
-              <a:solidFill>
-                <a:srgbClr val="0070C0"/>
-              </a:solidFill>
               <a:latin typeface="Bradley Hand ITC" pitchFamily="66" charset="0"/>
             </a:endParaRPr>
           </a:p>
@@ -4063,72 +3968,48 @@
             <a:pPr algn="ctr"/>
             <a:r>
               <a:rPr lang="fr-FR" sz="6600" b="1" dirty="0" err="1" smtClean="0">
-                <a:solidFill>
-                  <a:srgbClr val="0070C0"/>
-                </a:solidFill>
                 <a:latin typeface="Bradley Hand ITC" pitchFamily="66" charset="0"/>
               </a:rPr>
               <a:t>Ity</a:t>
             </a:r>
             <a:r>
               <a:rPr lang="fr-FR" sz="6600" b="1" dirty="0" smtClean="0">
-                <a:solidFill>
-                  <a:srgbClr val="0070C0"/>
-                </a:solidFill>
                 <a:latin typeface="Bradley Hand ITC" pitchFamily="66" charset="0"/>
               </a:rPr>
               <a:t> </a:t>
             </a:r>
             <a:r>
               <a:rPr lang="fr-FR" sz="6600" b="1" dirty="0" err="1" smtClean="0">
-                <a:solidFill>
-                  <a:srgbClr val="0070C0"/>
-                </a:solidFill>
                 <a:latin typeface="Bradley Hand ITC" pitchFamily="66" charset="0"/>
               </a:rPr>
               <a:t>zanakao</a:t>
             </a:r>
             <a:r>
               <a:rPr lang="fr-FR" sz="6600" b="1" dirty="0" smtClean="0">
-                <a:solidFill>
-                  <a:srgbClr val="0070C0"/>
-                </a:solidFill>
                 <a:latin typeface="Bradley Hand ITC" pitchFamily="66" charset="0"/>
               </a:rPr>
               <a:t> </a:t>
             </a:r>
             <a:r>
               <a:rPr lang="fr-FR" sz="6600" b="1" dirty="0" err="1" smtClean="0">
-                <a:solidFill>
-                  <a:srgbClr val="0070C0"/>
-                </a:solidFill>
                 <a:latin typeface="Bradley Hand ITC" pitchFamily="66" charset="0"/>
               </a:rPr>
               <a:t>voavonjy</a:t>
             </a:r>
             <a:r>
               <a:rPr lang="fr-FR" sz="6600" b="1" dirty="0" smtClean="0">
-                <a:solidFill>
-                  <a:srgbClr val="0070C0"/>
-                </a:solidFill>
                 <a:latin typeface="Bradley Hand ITC" pitchFamily="66" charset="0"/>
               </a:rPr>
               <a:t> </a:t>
             </a:r>
             <a:r>
               <a:rPr lang="fr-FR" sz="6600" b="1" dirty="0" err="1" smtClean="0">
-                <a:solidFill>
-                  <a:srgbClr val="0070C0"/>
-                </a:solidFill>
                 <a:latin typeface="Bradley Hand ITC" pitchFamily="66" charset="0"/>
               </a:rPr>
               <a:t>re</a:t>
             </a:r>
             <a:r>
               <a:rPr lang="fr-FR" sz="6600" b="1" dirty="0" smtClean="0">
-                <a:solidFill>
-                  <a:srgbClr val="0070C0"/>
-                </a:solidFill>
                 <a:latin typeface="Bradley Hand ITC" pitchFamily="66" charset="0"/>
               </a:rPr>
               <a:t>,</a:t>
@@ -4138,45 +4019,30 @@
             <a:pPr algn="ctr"/>
             <a:r>
               <a:rPr lang="fr-FR" sz="6600" b="1" dirty="0" smtClean="0">
-                <a:solidFill>
-                  <a:srgbClr val="0070C0"/>
-                </a:solidFill>
                 <a:latin typeface="Bradley Hand ITC" pitchFamily="66" charset="0"/>
               </a:rPr>
               <a:t>Ka </a:t>
             </a:r>
             <a:r>
               <a:rPr lang="fr-FR" sz="6600" b="1" dirty="0" err="1" smtClean="0">
-                <a:solidFill>
-                  <a:srgbClr val="0070C0"/>
-                </a:solidFill>
                 <a:latin typeface="Bradley Hand ITC" pitchFamily="66" charset="0"/>
               </a:rPr>
               <a:t>velombelona</a:t>
             </a:r>
             <a:r>
               <a:rPr lang="fr-FR" sz="6600" b="1" dirty="0" smtClean="0">
-                <a:solidFill>
-                  <a:srgbClr val="0070C0"/>
-                </a:solidFill>
                 <a:latin typeface="Bradley Hand ITC" pitchFamily="66" charset="0"/>
               </a:rPr>
               <a:t> </a:t>
             </a:r>
             <a:r>
               <a:rPr lang="fr-FR" sz="6600" b="1" dirty="0" err="1" smtClean="0">
-                <a:solidFill>
-                  <a:srgbClr val="0070C0"/>
-                </a:solidFill>
                 <a:latin typeface="Bradley Hand ITC" pitchFamily="66" charset="0"/>
               </a:rPr>
               <a:t>ery</a:t>
             </a:r>
             <a:r>
               <a:rPr lang="fr-FR" sz="6600" b="1" dirty="0" smtClean="0">
-                <a:solidFill>
-                  <a:srgbClr val="0070C0"/>
-                </a:solidFill>
                 <a:latin typeface="Bradley Hand ITC" pitchFamily="66" charset="0"/>
               </a:rPr>
               <a:t>.</a:t>
@@ -4476,36 +4342,24 @@
             <a:pPr algn="ctr"/>
             <a:r>
               <a:rPr lang="fr-FR" sz="6600" b="1" dirty="0" err="1" smtClean="0">
-                <a:solidFill>
-                  <a:srgbClr val="0070C0"/>
-                </a:solidFill>
                 <a:latin typeface="Bradley Hand ITC" pitchFamily="66" charset="0"/>
               </a:rPr>
               <a:t>Eny</a:t>
             </a:r>
             <a:r>
               <a:rPr lang="fr-FR" sz="6600" b="1" dirty="0" smtClean="0">
-                <a:solidFill>
-                  <a:srgbClr val="0070C0"/>
-                </a:solidFill>
                 <a:latin typeface="Bradley Hand ITC" pitchFamily="66" charset="0"/>
               </a:rPr>
               <a:t>, </a:t>
             </a:r>
             <a:r>
               <a:rPr lang="fr-FR" sz="6600" b="1" dirty="0" err="1" smtClean="0">
-                <a:solidFill>
-                  <a:srgbClr val="0070C0"/>
-                </a:solidFill>
                 <a:latin typeface="Bradley Hand ITC" pitchFamily="66" charset="0"/>
               </a:rPr>
               <a:t>Raiko</a:t>
             </a:r>
             <a:r>
               <a:rPr lang="fr-FR" sz="6600" b="1" dirty="0" smtClean="0">
-                <a:solidFill>
-                  <a:srgbClr val="0070C0"/>
-                </a:solidFill>
                 <a:latin typeface="Bradley Hand ITC" pitchFamily="66" charset="0"/>
               </a:rPr>
               <a:t>,</a:t>
@@ -4515,53 +4369,29 @@
             <a:pPr algn="ctr"/>
             <a:r>
               <a:rPr lang="fr-FR" sz="6600" b="1" dirty="0" smtClean="0">
-                <a:solidFill>
-                  <a:srgbClr val="0070C0"/>
-                </a:solidFill>
                 <a:latin typeface="Bradley Hand ITC" pitchFamily="66" charset="0"/>
               </a:rPr>
               <a:t>He </a:t>
             </a:r>
             <a:r>
               <a:rPr lang="fr-FR" sz="6600" b="1" dirty="0" err="1" smtClean="0">
-                <a:solidFill>
-                  <a:srgbClr val="0070C0"/>
-                </a:solidFill>
-                <a:latin typeface="Bradley Hand ITC" pitchFamily="66" charset="0"/>
-              </a:rPr>
-              <a:t>ravo</a:t>
+                <a:latin typeface="Bradley Hand ITC" pitchFamily="66" charset="0"/>
+              </a:rPr>
+              <a:t>ravoravo</a:t>
+            </a:r>
+            <a:r>
+              <a:rPr lang="fr-FR" sz="6600" b="1" dirty="0" smtClean="0">
+                <a:latin typeface="Bradley Hand ITC" pitchFamily="66" charset="0"/>
+              </a:rPr>
+              <a:t> </a:t>
             </a:r>
             <a:r>
               <a:rPr lang="fr-FR" sz="6600" b="1" dirty="0" err="1" smtClean="0">
-                <a:solidFill>
-                  <a:srgbClr val="0070C0"/>
-                </a:solidFill>
-                <a:latin typeface="Bradley Hand ITC" pitchFamily="66" charset="0"/>
-              </a:rPr>
-              <a:t>ravo</a:t>
-            </a:r>
-            <a:r>
-              <a:rPr lang="fr-FR" sz="6600" b="1" dirty="0" smtClean="0">
-                <a:solidFill>
-                  <a:srgbClr val="0070C0"/>
-                </a:solidFill>
-                <a:latin typeface="Bradley Hand ITC" pitchFamily="66" charset="0"/>
-              </a:rPr>
-              <a:t> </a:t>
-            </a:r>
-            <a:r>
-              <a:rPr lang="fr-FR" sz="6600" b="1" dirty="0" err="1" smtClean="0">
-                <a:solidFill>
-                  <a:srgbClr val="0070C0"/>
-                </a:solidFill>
                 <a:latin typeface="Bradley Hand ITC" pitchFamily="66" charset="0"/>
               </a:rPr>
               <a:t>tokoa</a:t>
             </a:r>
             <a:endParaRPr lang="fr-FR" sz="6600" b="1" dirty="0" smtClean="0">
-              <a:solidFill>
-                <a:srgbClr val="0070C0"/>
-              </a:solidFill>
               <a:latin typeface="Bradley Hand ITC" pitchFamily="66" charset="0"/>
             </a:endParaRPr>
           </a:p>
@@ -4569,72 +4399,48 @@
             <a:pPr algn="ctr"/>
             <a:r>
               <a:rPr lang="fr-FR" sz="6600" b="1" dirty="0" err="1" smtClean="0">
-                <a:solidFill>
-                  <a:srgbClr val="0070C0"/>
-                </a:solidFill>
                 <a:latin typeface="Bradley Hand ITC" pitchFamily="66" charset="0"/>
               </a:rPr>
               <a:t>Ity</a:t>
             </a:r>
             <a:r>
               <a:rPr lang="fr-FR" sz="6600" b="1" dirty="0" smtClean="0">
-                <a:solidFill>
-                  <a:srgbClr val="0070C0"/>
-                </a:solidFill>
                 <a:latin typeface="Bradley Hand ITC" pitchFamily="66" charset="0"/>
               </a:rPr>
               <a:t> </a:t>
             </a:r>
             <a:r>
               <a:rPr lang="fr-FR" sz="6600" b="1" dirty="0" err="1" smtClean="0">
-                <a:solidFill>
-                  <a:srgbClr val="0070C0"/>
-                </a:solidFill>
                 <a:latin typeface="Bradley Hand ITC" pitchFamily="66" charset="0"/>
               </a:rPr>
               <a:t>zanakao</a:t>
             </a:r>
             <a:r>
               <a:rPr lang="fr-FR" sz="6600" b="1" dirty="0" smtClean="0">
-                <a:solidFill>
-                  <a:srgbClr val="0070C0"/>
-                </a:solidFill>
                 <a:latin typeface="Bradley Hand ITC" pitchFamily="66" charset="0"/>
               </a:rPr>
               <a:t> </a:t>
             </a:r>
             <a:r>
               <a:rPr lang="fr-FR" sz="6600" b="1" dirty="0" err="1" smtClean="0">
-                <a:solidFill>
-                  <a:srgbClr val="0070C0"/>
-                </a:solidFill>
                 <a:latin typeface="Bradley Hand ITC" pitchFamily="66" charset="0"/>
               </a:rPr>
               <a:t>voavonjy</a:t>
             </a:r>
             <a:r>
               <a:rPr lang="fr-FR" sz="6600" b="1" dirty="0" smtClean="0">
-                <a:solidFill>
-                  <a:srgbClr val="0070C0"/>
-                </a:solidFill>
                 <a:latin typeface="Bradley Hand ITC" pitchFamily="66" charset="0"/>
               </a:rPr>
               <a:t> </a:t>
             </a:r>
             <a:r>
               <a:rPr lang="fr-FR" sz="6600" b="1" dirty="0" err="1" smtClean="0">
-                <a:solidFill>
-                  <a:srgbClr val="0070C0"/>
-                </a:solidFill>
                 <a:latin typeface="Bradley Hand ITC" pitchFamily="66" charset="0"/>
               </a:rPr>
               <a:t>re</a:t>
             </a:r>
             <a:r>
               <a:rPr lang="fr-FR" sz="6600" b="1" dirty="0" smtClean="0">
-                <a:solidFill>
-                  <a:srgbClr val="0070C0"/>
-                </a:solidFill>
                 <a:latin typeface="Bradley Hand ITC" pitchFamily="66" charset="0"/>
               </a:rPr>
               <a:t>,</a:t>
@@ -4644,45 +4450,30 @@
             <a:pPr algn="ctr"/>
             <a:r>
               <a:rPr lang="fr-FR" sz="6600" b="1" dirty="0" smtClean="0">
-                <a:solidFill>
-                  <a:srgbClr val="0070C0"/>
-                </a:solidFill>
                 <a:latin typeface="Bradley Hand ITC" pitchFamily="66" charset="0"/>
               </a:rPr>
               <a:t>Ka </a:t>
             </a:r>
             <a:r>
               <a:rPr lang="fr-FR" sz="6600" b="1" dirty="0" err="1" smtClean="0">
-                <a:solidFill>
-                  <a:srgbClr val="0070C0"/>
-                </a:solidFill>
                 <a:latin typeface="Bradley Hand ITC" pitchFamily="66" charset="0"/>
               </a:rPr>
               <a:t>velombelona</a:t>
             </a:r>
             <a:r>
               <a:rPr lang="fr-FR" sz="6600" b="1" dirty="0" smtClean="0">
-                <a:solidFill>
-                  <a:srgbClr val="0070C0"/>
-                </a:solidFill>
                 <a:latin typeface="Bradley Hand ITC" pitchFamily="66" charset="0"/>
               </a:rPr>
               <a:t> </a:t>
             </a:r>
             <a:r>
               <a:rPr lang="fr-FR" sz="6600" b="1" dirty="0" err="1" smtClean="0">
-                <a:solidFill>
-                  <a:srgbClr val="0070C0"/>
-                </a:solidFill>
                 <a:latin typeface="Bradley Hand ITC" pitchFamily="66" charset="0"/>
               </a:rPr>
               <a:t>ery</a:t>
             </a:r>
             <a:r>
               <a:rPr lang="fr-FR" sz="6600" b="1" dirty="0" smtClean="0">
-                <a:solidFill>
-                  <a:srgbClr val="0070C0"/>
-                </a:solidFill>
                 <a:latin typeface="Bradley Hand ITC" pitchFamily="66" charset="0"/>
               </a:rPr>
               <a:t>.</a:t>
@@ -4988,36 +4779,24 @@
             <a:pPr algn="ctr"/>
             <a:r>
               <a:rPr lang="fr-FR" sz="6600" b="1" dirty="0" err="1" smtClean="0">
-                <a:solidFill>
-                  <a:srgbClr val="0070C0"/>
-                </a:solidFill>
                 <a:latin typeface="Bradley Hand ITC" pitchFamily="66" charset="0"/>
               </a:rPr>
               <a:t>Eny</a:t>
             </a:r>
             <a:r>
               <a:rPr lang="fr-FR" sz="6600" b="1" dirty="0" smtClean="0">
-                <a:solidFill>
-                  <a:srgbClr val="0070C0"/>
-                </a:solidFill>
                 <a:latin typeface="Bradley Hand ITC" pitchFamily="66" charset="0"/>
               </a:rPr>
               <a:t>, </a:t>
             </a:r>
             <a:r>
               <a:rPr lang="fr-FR" sz="6600" b="1" dirty="0" err="1" smtClean="0">
-                <a:solidFill>
-                  <a:srgbClr val="0070C0"/>
-                </a:solidFill>
                 <a:latin typeface="Bradley Hand ITC" pitchFamily="66" charset="0"/>
               </a:rPr>
               <a:t>Raiko</a:t>
             </a:r>
             <a:r>
               <a:rPr lang="fr-FR" sz="6600" b="1" dirty="0" smtClean="0">
-                <a:solidFill>
-                  <a:srgbClr val="0070C0"/>
-                </a:solidFill>
                 <a:latin typeface="Bradley Hand ITC" pitchFamily="66" charset="0"/>
               </a:rPr>
               <a:t>,</a:t>
@@ -5027,53 +4806,29 @@
             <a:pPr algn="ctr"/>
             <a:r>
               <a:rPr lang="fr-FR" sz="6600" b="1" dirty="0" smtClean="0">
-                <a:solidFill>
-                  <a:srgbClr val="0070C0"/>
-                </a:solidFill>
                 <a:latin typeface="Bradley Hand ITC" pitchFamily="66" charset="0"/>
               </a:rPr>
               <a:t>He </a:t>
             </a:r>
             <a:r>
               <a:rPr lang="fr-FR" sz="6600" b="1" dirty="0" err="1" smtClean="0">
-                <a:solidFill>
-                  <a:srgbClr val="0070C0"/>
-                </a:solidFill>
-                <a:latin typeface="Bradley Hand ITC" pitchFamily="66" charset="0"/>
-              </a:rPr>
-              <a:t>ravo</a:t>
+                <a:latin typeface="Bradley Hand ITC" pitchFamily="66" charset="0"/>
+              </a:rPr>
+              <a:t>ravoravo</a:t>
+            </a:r>
+            <a:r>
+              <a:rPr lang="fr-FR" sz="6600" b="1" dirty="0" smtClean="0">
+                <a:latin typeface="Bradley Hand ITC" pitchFamily="66" charset="0"/>
+              </a:rPr>
+              <a:t> </a:t>
             </a:r>
             <a:r>
               <a:rPr lang="fr-FR" sz="6600" b="1" dirty="0" err="1" smtClean="0">
-                <a:solidFill>
-                  <a:srgbClr val="0070C0"/>
-                </a:solidFill>
-                <a:latin typeface="Bradley Hand ITC" pitchFamily="66" charset="0"/>
-              </a:rPr>
-              <a:t>ravo</a:t>
-            </a:r>
-            <a:r>
-              <a:rPr lang="fr-FR" sz="6600" b="1" dirty="0" smtClean="0">
-                <a:solidFill>
-                  <a:srgbClr val="0070C0"/>
-                </a:solidFill>
-                <a:latin typeface="Bradley Hand ITC" pitchFamily="66" charset="0"/>
-              </a:rPr>
-              <a:t> </a:t>
-            </a:r>
-            <a:r>
-              <a:rPr lang="fr-FR" sz="6600" b="1" dirty="0" err="1" smtClean="0">
-                <a:solidFill>
-                  <a:srgbClr val="0070C0"/>
-                </a:solidFill>
                 <a:latin typeface="Bradley Hand ITC" pitchFamily="66" charset="0"/>
               </a:rPr>
               <a:t>tokoa</a:t>
             </a:r>
             <a:endParaRPr lang="fr-FR" sz="6600" b="1" dirty="0" smtClean="0">
-              <a:solidFill>
-                <a:srgbClr val="0070C0"/>
-              </a:solidFill>
               <a:latin typeface="Bradley Hand ITC" pitchFamily="66" charset="0"/>
             </a:endParaRPr>
           </a:p>
@@ -5081,72 +4836,48 @@
             <a:pPr algn="ctr"/>
             <a:r>
               <a:rPr lang="fr-FR" sz="6600" b="1" dirty="0" err="1" smtClean="0">
-                <a:solidFill>
-                  <a:srgbClr val="0070C0"/>
-                </a:solidFill>
                 <a:latin typeface="Bradley Hand ITC" pitchFamily="66" charset="0"/>
               </a:rPr>
               <a:t>Ity</a:t>
             </a:r>
             <a:r>
               <a:rPr lang="fr-FR" sz="6600" b="1" dirty="0" smtClean="0">
-                <a:solidFill>
-                  <a:srgbClr val="0070C0"/>
-                </a:solidFill>
                 <a:latin typeface="Bradley Hand ITC" pitchFamily="66" charset="0"/>
               </a:rPr>
               <a:t> </a:t>
             </a:r>
             <a:r>
               <a:rPr lang="fr-FR" sz="6600" b="1" dirty="0" err="1" smtClean="0">
-                <a:solidFill>
-                  <a:srgbClr val="0070C0"/>
-                </a:solidFill>
                 <a:latin typeface="Bradley Hand ITC" pitchFamily="66" charset="0"/>
               </a:rPr>
               <a:t>zanakao</a:t>
             </a:r>
             <a:r>
               <a:rPr lang="fr-FR" sz="6600" b="1" dirty="0" smtClean="0">
-                <a:solidFill>
-                  <a:srgbClr val="0070C0"/>
-                </a:solidFill>
                 <a:latin typeface="Bradley Hand ITC" pitchFamily="66" charset="0"/>
               </a:rPr>
               <a:t> </a:t>
             </a:r>
             <a:r>
               <a:rPr lang="fr-FR" sz="6600" b="1" dirty="0" err="1" smtClean="0">
-                <a:solidFill>
-                  <a:srgbClr val="0070C0"/>
-                </a:solidFill>
                 <a:latin typeface="Bradley Hand ITC" pitchFamily="66" charset="0"/>
               </a:rPr>
               <a:t>voavonjy</a:t>
             </a:r>
             <a:r>
               <a:rPr lang="fr-FR" sz="6600" b="1" dirty="0" smtClean="0">
-                <a:solidFill>
-                  <a:srgbClr val="0070C0"/>
-                </a:solidFill>
                 <a:latin typeface="Bradley Hand ITC" pitchFamily="66" charset="0"/>
               </a:rPr>
               <a:t> </a:t>
             </a:r>
             <a:r>
               <a:rPr lang="fr-FR" sz="6600" b="1" dirty="0" err="1" smtClean="0">
-                <a:solidFill>
-                  <a:srgbClr val="0070C0"/>
-                </a:solidFill>
                 <a:latin typeface="Bradley Hand ITC" pitchFamily="66" charset="0"/>
               </a:rPr>
               <a:t>re</a:t>
             </a:r>
             <a:r>
               <a:rPr lang="fr-FR" sz="6600" b="1" dirty="0" smtClean="0">
-                <a:solidFill>
-                  <a:srgbClr val="0070C0"/>
-                </a:solidFill>
                 <a:latin typeface="Bradley Hand ITC" pitchFamily="66" charset="0"/>
               </a:rPr>
               <a:t>,</a:t>
@@ -5156,45 +4887,30 @@
             <a:pPr algn="ctr"/>
             <a:r>
               <a:rPr lang="fr-FR" sz="6600" b="1" dirty="0" smtClean="0">
-                <a:solidFill>
-                  <a:srgbClr val="0070C0"/>
-                </a:solidFill>
                 <a:latin typeface="Bradley Hand ITC" pitchFamily="66" charset="0"/>
               </a:rPr>
               <a:t>Ka </a:t>
             </a:r>
             <a:r>
               <a:rPr lang="fr-FR" sz="6600" b="1" dirty="0" err="1" smtClean="0">
-                <a:solidFill>
-                  <a:srgbClr val="0070C0"/>
-                </a:solidFill>
                 <a:latin typeface="Bradley Hand ITC" pitchFamily="66" charset="0"/>
               </a:rPr>
               <a:t>velombelona</a:t>
             </a:r>
             <a:r>
               <a:rPr lang="fr-FR" sz="6600" b="1" dirty="0" smtClean="0">
-                <a:solidFill>
-                  <a:srgbClr val="0070C0"/>
-                </a:solidFill>
                 <a:latin typeface="Bradley Hand ITC" pitchFamily="66" charset="0"/>
               </a:rPr>
               <a:t> </a:t>
             </a:r>
             <a:r>
               <a:rPr lang="fr-FR" sz="6600" b="1" dirty="0" err="1" smtClean="0">
-                <a:solidFill>
-                  <a:srgbClr val="0070C0"/>
-                </a:solidFill>
                 <a:latin typeface="Bradley Hand ITC" pitchFamily="66" charset="0"/>
               </a:rPr>
               <a:t>ery</a:t>
             </a:r>
             <a:r>
               <a:rPr lang="fr-FR" sz="6600" b="1" dirty="0" smtClean="0">
-                <a:solidFill>
-                  <a:srgbClr val="0070C0"/>
-                </a:solidFill>
                 <a:latin typeface="Bradley Hand ITC" pitchFamily="66" charset="0"/>
               </a:rPr>
               <a:t>.</a:t>
